--- a/doc/slides.pptx
+++ b/doc/slides.pptx
@@ -21,22 +21,24 @@
     <p:sldId id="266" r:id="rId16"/>
     <p:sldId id="267" r:id="rId17"/>
     <p:sldId id="268" r:id="rId18"/>
+    <p:sldId id="269" r:id="rId19"/>
+    <p:sldId id="270" r:id="rId20"/>
   </p:sldIdLst>
   <p:sldSz cy="5143500" cx="9144000"/>
   <p:notesSz cx="6858000" cy="9144000"/>
   <p:embeddedFontLst>
     <p:embeddedFont>
       <p:font typeface="Proxima Nova"/>
-      <p:regular r:id="rId19"/>
-      <p:bold r:id="rId20"/>
-      <p:italic r:id="rId21"/>
-      <p:boldItalic r:id="rId22"/>
+      <p:regular r:id="rId21"/>
+      <p:bold r:id="rId22"/>
+      <p:italic r:id="rId23"/>
+      <p:boldItalic r:id="rId24"/>
     </p:embeddedFont>
     <p:embeddedFont>
       <p:font typeface="Proxima Nova Semibold"/>
-      <p:regular r:id="rId23"/>
-      <p:bold r:id="rId24"/>
-      <p:boldItalic r:id="rId25"/>
+      <p:regular r:id="rId25"/>
+      <p:bold r:id="rId26"/>
+      <p:boldItalic r:id="rId27"/>
     </p:embeddedFont>
   </p:embeddedFontLst>
   <p:defaultTextStyle>
@@ -1164,6 +1166,204 @@
       <p:sp>
         <p:nvSpPr>
           <p:cNvPr id="177" name="Google Shape;177;g2da33b6efe5_0_292:notes"/>
+          <p:cNvSpPr txBox="1"/>
+          <p:nvPr>
+            <p:ph idx="1" type="body"/>
+          </p:nvPr>
+        </p:nvSpPr>
+        <p:spPr>
+          <a:xfrm>
+            <a:off x="685800" y="4343400"/>
+            <a:ext cx="5486400" cy="4114800"/>
+          </a:xfrm>
+          <a:prstGeom prst="rect">
+            <a:avLst/>
+          </a:prstGeom>
+        </p:spPr>
+        <p:txBody>
+          <a:bodyPr anchorCtr="0" anchor="t" bIns="91425" lIns="91425" spcFirstLastPara="1" rIns="91425" wrap="square" tIns="91425">
+            <a:noAutofit/>
+          </a:bodyPr>
+          <a:lstStyle/>
+          <a:p>
+            <a:pPr indent="0" lvl="0" marL="0" rtl="0" algn="l">
+              <a:spcBef>
+                <a:spcPts val="0"/>
+              </a:spcBef>
+              <a:spcAft>
+                <a:spcPts val="0"/>
+              </a:spcAft>
+              <a:buNone/>
+            </a:pPr>
+            <a:r>
+              <a:t/>
+            </a:r>
+            <a:endParaRPr/>
+          </a:p>
+        </p:txBody>
+      </p:sp>
+    </p:spTree>
+  </p:cSld>
+  <p:clrMapOvr>
+    <a:masterClrMapping/>
+  </p:clrMapOvr>
+</p:notes>
+</file>
+
+<file path=ppt/notesSlides/notesSlide14.xml><?xml version="1.0" encoding="utf-8"?>
+<p:notes xmlns:a="http://schemas.openxmlformats.org/drawingml/2006/main" xmlns:r="http://schemas.openxmlformats.org/officeDocument/2006/relationships" xmlns:mc="http://schemas.openxmlformats.org/markup-compatibility/2006" xmlns:mv="urn:schemas-microsoft-com:mac:vml" xmlns:p="http://schemas.openxmlformats.org/presentationml/2006/main" xmlns:c="http://schemas.openxmlformats.org/drawingml/2006/chart" xmlns:dgm="http://schemas.openxmlformats.org/drawingml/2006/diagram" xmlns:o="urn:schemas-microsoft-com:office:office" xmlns:v="urn:schemas-microsoft-com:vml" xmlns:pvml="urn:schemas-microsoft-com:office:powerpoint" xmlns:com="http://schemas.openxmlformats.org/drawingml/2006/compatibility" xmlns:p14="http://schemas.microsoft.com/office/powerpoint/2010/main" xmlns:p15="http://schemas.microsoft.com/office/powerpoint/2012/main" xmlns:ahyp="http://schemas.microsoft.com/office/drawing/2018/hyperlinkcolor" showMasterPhAnim="0" showMasterSp="0">
+  <p:cSld>
+    <p:spTree>
+      <p:nvGrpSpPr>
+        <p:cNvPr id="183" name="Shape 183"/>
+        <p:cNvGrpSpPr/>
+        <p:nvPr/>
+      </p:nvGrpSpPr>
+      <p:grpSpPr>
+        <a:xfrm>
+          <a:off x="0" y="0"/>
+          <a:ext cx="0" cy="0"/>
+          <a:chOff x="0" y="0"/>
+          <a:chExt cx="0" cy="0"/>
+        </a:xfrm>
+      </p:grpSpPr>
+      <p:sp>
+        <p:nvSpPr>
+          <p:cNvPr id="184" name="Google Shape;184;g2da33b6efe5_0_307:notes"/>
+          <p:cNvSpPr/>
+          <p:nvPr>
+            <p:ph idx="2" type="sldImg"/>
+          </p:nvPr>
+        </p:nvSpPr>
+        <p:spPr>
+          <a:xfrm>
+            <a:off x="381300" y="685800"/>
+            <a:ext cx="6096000" cy="3429000"/>
+          </a:xfrm>
+          <a:custGeom>
+            <a:rect b="b" l="l" r="r" t="t"/>
+            <a:pathLst>
+              <a:path extrusionOk="0" h="120000" w="120000">
+                <a:moveTo>
+                  <a:pt x="0" y="0"/>
+                </a:moveTo>
+                <a:lnTo>
+                  <a:pt x="120000" y="0"/>
+                </a:lnTo>
+                <a:lnTo>
+                  <a:pt x="120000" y="120000"/>
+                </a:lnTo>
+                <a:lnTo>
+                  <a:pt x="0" y="120000"/>
+                </a:lnTo>
+                <a:close/>
+              </a:path>
+            </a:pathLst>
+          </a:custGeom>
+        </p:spPr>
+      </p:sp>
+      <p:sp>
+        <p:nvSpPr>
+          <p:cNvPr id="185" name="Google Shape;185;g2da33b6efe5_0_307:notes"/>
+          <p:cNvSpPr txBox="1"/>
+          <p:nvPr>
+            <p:ph idx="1" type="body"/>
+          </p:nvPr>
+        </p:nvSpPr>
+        <p:spPr>
+          <a:xfrm>
+            <a:off x="685800" y="4343400"/>
+            <a:ext cx="5486400" cy="4114800"/>
+          </a:xfrm>
+          <a:prstGeom prst="rect">
+            <a:avLst/>
+          </a:prstGeom>
+        </p:spPr>
+        <p:txBody>
+          <a:bodyPr anchorCtr="0" anchor="t" bIns="91425" lIns="91425" spcFirstLastPara="1" rIns="91425" wrap="square" tIns="91425">
+            <a:noAutofit/>
+          </a:bodyPr>
+          <a:lstStyle/>
+          <a:p>
+            <a:pPr indent="0" lvl="0" marL="0" rtl="0" algn="l">
+              <a:spcBef>
+                <a:spcPts val="0"/>
+              </a:spcBef>
+              <a:spcAft>
+                <a:spcPts val="0"/>
+              </a:spcAft>
+              <a:buNone/>
+            </a:pPr>
+            <a:r>
+              <a:t/>
+            </a:r>
+            <a:endParaRPr/>
+          </a:p>
+        </p:txBody>
+      </p:sp>
+    </p:spTree>
+  </p:cSld>
+  <p:clrMapOvr>
+    <a:masterClrMapping/>
+  </p:clrMapOvr>
+</p:notes>
+</file>
+
+<file path=ppt/notesSlides/notesSlide15.xml><?xml version="1.0" encoding="utf-8"?>
+<p:notes xmlns:a="http://schemas.openxmlformats.org/drawingml/2006/main" xmlns:r="http://schemas.openxmlformats.org/officeDocument/2006/relationships" xmlns:mc="http://schemas.openxmlformats.org/markup-compatibility/2006" xmlns:mv="urn:schemas-microsoft-com:mac:vml" xmlns:p="http://schemas.openxmlformats.org/presentationml/2006/main" xmlns:c="http://schemas.openxmlformats.org/drawingml/2006/chart" xmlns:dgm="http://schemas.openxmlformats.org/drawingml/2006/diagram" xmlns:o="urn:schemas-microsoft-com:office:office" xmlns:v="urn:schemas-microsoft-com:vml" xmlns:pvml="urn:schemas-microsoft-com:office:powerpoint" xmlns:com="http://schemas.openxmlformats.org/drawingml/2006/compatibility" xmlns:p14="http://schemas.microsoft.com/office/powerpoint/2010/main" xmlns:p15="http://schemas.microsoft.com/office/powerpoint/2012/main" xmlns:ahyp="http://schemas.microsoft.com/office/drawing/2018/hyperlinkcolor" showMasterPhAnim="0" showMasterSp="0">
+  <p:cSld>
+    <p:spTree>
+      <p:nvGrpSpPr>
+        <p:cNvPr id="191" name="Shape 191"/>
+        <p:cNvGrpSpPr/>
+        <p:nvPr/>
+      </p:nvGrpSpPr>
+      <p:grpSpPr>
+        <a:xfrm>
+          <a:off x="0" y="0"/>
+          <a:ext cx="0" cy="0"/>
+          <a:chOff x="0" y="0"/>
+          <a:chExt cx="0" cy="0"/>
+        </a:xfrm>
+      </p:grpSpPr>
+      <p:sp>
+        <p:nvSpPr>
+          <p:cNvPr id="192" name="Google Shape;192;g2da33b6efe5_0_315:notes"/>
+          <p:cNvSpPr/>
+          <p:nvPr>
+            <p:ph idx="2" type="sldImg"/>
+          </p:nvPr>
+        </p:nvSpPr>
+        <p:spPr>
+          <a:xfrm>
+            <a:off x="381300" y="685800"/>
+            <a:ext cx="6096000" cy="3429000"/>
+          </a:xfrm>
+          <a:custGeom>
+            <a:rect b="b" l="l" r="r" t="t"/>
+            <a:pathLst>
+              <a:path extrusionOk="0" h="120000" w="120000">
+                <a:moveTo>
+                  <a:pt x="0" y="0"/>
+                </a:moveTo>
+                <a:lnTo>
+                  <a:pt x="120000" y="0"/>
+                </a:lnTo>
+                <a:lnTo>
+                  <a:pt x="120000" y="120000"/>
+                </a:lnTo>
+                <a:lnTo>
+                  <a:pt x="0" y="120000"/>
+                </a:lnTo>
+                <a:close/>
+              </a:path>
+            </a:pathLst>
+          </a:custGeom>
+        </p:spPr>
+      </p:sp>
+      <p:sp>
+        <p:nvSpPr>
+          <p:cNvPr id="193" name="Google Shape;193;g2da33b6efe5_0_315:notes"/>
           <p:cNvSpPr txBox="1"/>
           <p:nvPr>
             <p:ph idx="1" type="body"/>
@@ -8117,6 +8317,392 @@
 </p:sld>
 </file>
 
+<file path=ppt/slides/slide14.xml><?xml version="1.0" encoding="utf-8"?>
+<p:sld xmlns:a="http://schemas.openxmlformats.org/drawingml/2006/main" xmlns:r="http://schemas.openxmlformats.org/officeDocument/2006/relationships" xmlns:mc="http://schemas.openxmlformats.org/markup-compatibility/2006" xmlns:mv="urn:schemas-microsoft-com:mac:vml" xmlns:p="http://schemas.openxmlformats.org/presentationml/2006/main" xmlns:c="http://schemas.openxmlformats.org/drawingml/2006/chart" xmlns:dgm="http://schemas.openxmlformats.org/drawingml/2006/diagram" xmlns:o="urn:schemas-microsoft-com:office:office" xmlns:v="urn:schemas-microsoft-com:vml" xmlns:pvml="urn:schemas-microsoft-com:office:powerpoint" xmlns:com="http://schemas.openxmlformats.org/drawingml/2006/compatibility" xmlns:p14="http://schemas.microsoft.com/office/powerpoint/2010/main" xmlns:p15="http://schemas.microsoft.com/office/powerpoint/2012/main" xmlns:ahyp="http://schemas.microsoft.com/office/drawing/2018/hyperlinkcolor">
+  <p:cSld>
+    <p:bg>
+      <p:bgPr>
+        <a:solidFill>
+          <a:schemeClr val="lt2"/>
+        </a:solidFill>
+      </p:bgPr>
+    </p:bg>
+    <p:spTree>
+      <p:nvGrpSpPr>
+        <p:cNvPr id="186" name="Shape 186"/>
+        <p:cNvGrpSpPr/>
+        <p:nvPr/>
+      </p:nvGrpSpPr>
+      <p:grpSpPr>
+        <a:xfrm>
+          <a:off x="0" y="0"/>
+          <a:ext cx="0" cy="0"/>
+          <a:chOff x="0" y="0"/>
+          <a:chExt cx="0" cy="0"/>
+        </a:xfrm>
+      </p:grpSpPr>
+      <p:sp>
+        <p:nvSpPr>
+          <p:cNvPr id="187" name="Google Shape;187;p26"/>
+          <p:cNvSpPr txBox="1"/>
+          <p:nvPr>
+            <p:ph idx="1" type="body"/>
+          </p:nvPr>
+        </p:nvSpPr>
+        <p:spPr>
+          <a:xfrm>
+            <a:off x="311700" y="4230575"/>
+            <a:ext cx="5998800" cy="605100"/>
+          </a:xfrm>
+          <a:prstGeom prst="rect">
+            <a:avLst/>
+          </a:prstGeom>
+        </p:spPr>
+        <p:txBody>
+          <a:bodyPr anchorCtr="0" anchor="ctr" bIns="91425" lIns="91425" spcFirstLastPara="1" rIns="91425" wrap="square" tIns="91425">
+            <a:normAutofit/>
+          </a:bodyPr>
+          <a:lstStyle/>
+          <a:p>
+            <a:pPr indent="0" lvl="0" marL="0" rtl="0" algn="l">
+              <a:spcBef>
+                <a:spcPts val="0"/>
+              </a:spcBef>
+              <a:spcAft>
+                <a:spcPts val="0"/>
+              </a:spcAft>
+              <a:buNone/>
+            </a:pPr>
+            <a:r>
+              <a:rPr lang="pt-BR">
+                <a:latin typeface="Proxima Nova Semibold"/>
+                <a:ea typeface="Proxima Nova Semibold"/>
+                <a:cs typeface="Proxima Nova Semibold"/>
+                <a:sym typeface="Proxima Nova Semibold"/>
+              </a:rPr>
+              <a:t>Diagrama do princípio da pirâmide</a:t>
+            </a:r>
+            <a:endParaRPr>
+              <a:latin typeface="Proxima Nova Semibold"/>
+              <a:ea typeface="Proxima Nova Semibold"/>
+              <a:cs typeface="Proxima Nova Semibold"/>
+              <a:sym typeface="Proxima Nova Semibold"/>
+            </a:endParaRPr>
+          </a:p>
+        </p:txBody>
+      </p:sp>
+      <p:sp>
+        <p:nvSpPr>
+          <p:cNvPr id="188" name="Google Shape;188;p26"/>
+          <p:cNvSpPr txBox="1"/>
+          <p:nvPr>
+            <p:ph idx="12" type="sldNum"/>
+          </p:nvPr>
+        </p:nvSpPr>
+        <p:spPr>
+          <a:xfrm>
+            <a:off x="8472458" y="4663217"/>
+            <a:ext cx="548700" cy="393600"/>
+          </a:xfrm>
+          <a:prstGeom prst="rect">
+            <a:avLst/>
+          </a:prstGeom>
+        </p:spPr>
+        <p:txBody>
+          <a:bodyPr anchorCtr="0" anchor="ctr" bIns="91425" lIns="91425" spcFirstLastPara="1" rIns="91425" wrap="square" tIns="91425">
+            <a:normAutofit/>
+          </a:bodyPr>
+          <a:lstStyle/>
+          <a:p>
+            <a:pPr indent="0" lvl="0" marL="0" rtl="0" algn="r">
+              <a:spcBef>
+                <a:spcPts val="0"/>
+              </a:spcBef>
+              <a:spcAft>
+                <a:spcPts val="0"/>
+              </a:spcAft>
+              <a:buNone/>
+            </a:pPr>
+            <a:fld id="{00000000-1234-1234-1234-123412341234}" type="slidenum">
+              <a:rPr lang="pt-BR"/>
+              <a:t>‹#›</a:t>
+            </a:fld>
+            <a:endParaRPr/>
+          </a:p>
+        </p:txBody>
+      </p:sp>
+      <p:sp>
+        <p:nvSpPr>
+          <p:cNvPr id="189" name="Google Shape;189;p26"/>
+          <p:cNvSpPr/>
+          <p:nvPr/>
+        </p:nvSpPr>
+        <p:spPr>
+          <a:xfrm>
+            <a:off x="0" y="0"/>
+            <a:ext cx="9144000" cy="358800"/>
+          </a:xfrm>
+          <a:prstGeom prst="rect">
+            <a:avLst/>
+          </a:prstGeom>
+          <a:solidFill>
+            <a:schemeClr val="lt1"/>
+          </a:solidFill>
+          <a:ln>
+            <a:noFill/>
+          </a:ln>
+        </p:spPr>
+        <p:txBody>
+          <a:bodyPr anchorCtr="0" anchor="ctr" bIns="91425" lIns="91425" spcFirstLastPara="1" rIns="91425" wrap="square" tIns="91425">
+            <a:noAutofit/>
+          </a:bodyPr>
+          <a:lstStyle/>
+          <a:p>
+            <a:pPr indent="0" lvl="0" marL="0" rtl="0" algn="ctr">
+              <a:spcBef>
+                <a:spcPts val="0"/>
+              </a:spcBef>
+              <a:spcAft>
+                <a:spcPts val="0"/>
+              </a:spcAft>
+              <a:buNone/>
+            </a:pPr>
+            <a:r>
+              <a:t/>
+            </a:r>
+            <a:endParaRPr/>
+          </a:p>
+        </p:txBody>
+      </p:sp>
+      <p:pic>
+        <p:nvPicPr>
+          <p:cNvPr id="190" name="Google Shape;190;p26"/>
+          <p:cNvPicPr preferRelativeResize="0"/>
+          <p:nvPr/>
+        </p:nvPicPr>
+        <p:blipFill>
+          <a:blip r:embed="rId3">
+            <a:alphaModFix/>
+          </a:blip>
+          <a:stretch>
+            <a:fillRect/>
+          </a:stretch>
+        </p:blipFill>
+        <p:spPr>
+          <a:xfrm>
+            <a:off x="311700" y="1268300"/>
+            <a:ext cx="8582025" cy="2962275"/>
+          </a:xfrm>
+          <a:prstGeom prst="rect">
+            <a:avLst/>
+          </a:prstGeom>
+          <a:noFill/>
+          <a:ln>
+            <a:noFill/>
+          </a:ln>
+        </p:spPr>
+      </p:pic>
+    </p:spTree>
+  </p:cSld>
+  <p:clrMapOvr>
+    <a:masterClrMapping/>
+  </p:clrMapOvr>
+</p:sld>
+</file>
+
+<file path=ppt/slides/slide15.xml><?xml version="1.0" encoding="utf-8"?>
+<p:sld xmlns:a="http://schemas.openxmlformats.org/drawingml/2006/main" xmlns:r="http://schemas.openxmlformats.org/officeDocument/2006/relationships" xmlns:mc="http://schemas.openxmlformats.org/markup-compatibility/2006" xmlns:mv="urn:schemas-microsoft-com:mac:vml" xmlns:p="http://schemas.openxmlformats.org/presentationml/2006/main" xmlns:c="http://schemas.openxmlformats.org/drawingml/2006/chart" xmlns:dgm="http://schemas.openxmlformats.org/drawingml/2006/diagram" xmlns:o="urn:schemas-microsoft-com:office:office" xmlns:v="urn:schemas-microsoft-com:vml" xmlns:pvml="urn:schemas-microsoft-com:office:powerpoint" xmlns:com="http://schemas.openxmlformats.org/drawingml/2006/compatibility" xmlns:p14="http://schemas.microsoft.com/office/powerpoint/2010/main" xmlns:p15="http://schemas.microsoft.com/office/powerpoint/2012/main" xmlns:ahyp="http://schemas.microsoft.com/office/drawing/2018/hyperlinkcolor">
+  <p:cSld>
+    <p:bg>
+      <p:bgPr>
+        <a:solidFill>
+          <a:schemeClr val="lt2"/>
+        </a:solidFill>
+      </p:bgPr>
+    </p:bg>
+    <p:spTree>
+      <p:nvGrpSpPr>
+        <p:cNvPr id="194" name="Shape 194"/>
+        <p:cNvGrpSpPr/>
+        <p:nvPr/>
+      </p:nvGrpSpPr>
+      <p:grpSpPr>
+        <a:xfrm>
+          <a:off x="0" y="0"/>
+          <a:ext cx="0" cy="0"/>
+          <a:chOff x="0" y="0"/>
+          <a:chExt cx="0" cy="0"/>
+        </a:xfrm>
+      </p:grpSpPr>
+      <p:sp>
+        <p:nvSpPr>
+          <p:cNvPr id="195" name="Google Shape;195;p27"/>
+          <p:cNvSpPr txBox="1"/>
+          <p:nvPr>
+            <p:ph idx="1" type="body"/>
+          </p:nvPr>
+        </p:nvSpPr>
+        <p:spPr>
+          <a:xfrm>
+            <a:off x="311700" y="4230575"/>
+            <a:ext cx="5998800" cy="605100"/>
+          </a:xfrm>
+          <a:prstGeom prst="rect">
+            <a:avLst/>
+          </a:prstGeom>
+        </p:spPr>
+        <p:txBody>
+          <a:bodyPr anchorCtr="0" anchor="ctr" bIns="91425" lIns="91425" spcFirstLastPara="1" rIns="91425" wrap="square" tIns="91425">
+            <a:normAutofit/>
+          </a:bodyPr>
+          <a:lstStyle/>
+          <a:p>
+            <a:pPr indent="0" lvl="0" marL="0" rtl="0" algn="l">
+              <a:spcBef>
+                <a:spcPts val="0"/>
+              </a:spcBef>
+              <a:spcAft>
+                <a:spcPts val="0"/>
+              </a:spcAft>
+              <a:buNone/>
+            </a:pPr>
+            <a:r>
+              <a:rPr lang="pt-BR">
+                <a:latin typeface="Proxima Nova Semibold"/>
+                <a:ea typeface="Proxima Nova Semibold"/>
+                <a:cs typeface="Proxima Nova Semibold"/>
+                <a:sym typeface="Proxima Nova Semibold"/>
+              </a:rPr>
+              <a:t>Framework SCQA</a:t>
+            </a:r>
+            <a:endParaRPr>
+              <a:latin typeface="Proxima Nova Semibold"/>
+              <a:ea typeface="Proxima Nova Semibold"/>
+              <a:cs typeface="Proxima Nova Semibold"/>
+              <a:sym typeface="Proxima Nova Semibold"/>
+            </a:endParaRPr>
+          </a:p>
+        </p:txBody>
+      </p:sp>
+      <p:sp>
+        <p:nvSpPr>
+          <p:cNvPr id="196" name="Google Shape;196;p27"/>
+          <p:cNvSpPr txBox="1"/>
+          <p:nvPr>
+            <p:ph idx="12" type="sldNum"/>
+          </p:nvPr>
+        </p:nvSpPr>
+        <p:spPr>
+          <a:xfrm>
+            <a:off x="8472458" y="4663217"/>
+            <a:ext cx="548700" cy="393600"/>
+          </a:xfrm>
+          <a:prstGeom prst="rect">
+            <a:avLst/>
+          </a:prstGeom>
+        </p:spPr>
+        <p:txBody>
+          <a:bodyPr anchorCtr="0" anchor="ctr" bIns="91425" lIns="91425" spcFirstLastPara="1" rIns="91425" wrap="square" tIns="91425">
+            <a:normAutofit/>
+          </a:bodyPr>
+          <a:lstStyle/>
+          <a:p>
+            <a:pPr indent="0" lvl="0" marL="0" rtl="0" algn="r">
+              <a:spcBef>
+                <a:spcPts val="0"/>
+              </a:spcBef>
+              <a:spcAft>
+                <a:spcPts val="0"/>
+              </a:spcAft>
+              <a:buNone/>
+            </a:pPr>
+            <a:fld id="{00000000-1234-1234-1234-123412341234}" type="slidenum">
+              <a:rPr lang="pt-BR"/>
+              <a:t>‹#›</a:t>
+            </a:fld>
+            <a:endParaRPr/>
+          </a:p>
+        </p:txBody>
+      </p:sp>
+      <p:sp>
+        <p:nvSpPr>
+          <p:cNvPr id="197" name="Google Shape;197;p27"/>
+          <p:cNvSpPr/>
+          <p:nvPr/>
+        </p:nvSpPr>
+        <p:spPr>
+          <a:xfrm>
+            <a:off x="0" y="0"/>
+            <a:ext cx="9144000" cy="358800"/>
+          </a:xfrm>
+          <a:prstGeom prst="rect">
+            <a:avLst/>
+          </a:prstGeom>
+          <a:solidFill>
+            <a:schemeClr val="lt1"/>
+          </a:solidFill>
+          <a:ln>
+            <a:noFill/>
+          </a:ln>
+        </p:spPr>
+        <p:txBody>
+          <a:bodyPr anchorCtr="0" anchor="ctr" bIns="91425" lIns="91425" spcFirstLastPara="1" rIns="91425" wrap="square" tIns="91425">
+            <a:noAutofit/>
+          </a:bodyPr>
+          <a:lstStyle/>
+          <a:p>
+            <a:pPr indent="0" lvl="0" marL="0" rtl="0" algn="ctr">
+              <a:spcBef>
+                <a:spcPts val="0"/>
+              </a:spcBef>
+              <a:spcAft>
+                <a:spcPts val="0"/>
+              </a:spcAft>
+              <a:buNone/>
+            </a:pPr>
+            <a:r>
+              <a:t/>
+            </a:r>
+            <a:endParaRPr/>
+          </a:p>
+        </p:txBody>
+      </p:sp>
+      <p:pic>
+        <p:nvPicPr>
+          <p:cNvPr id="198" name="Google Shape;198;p27"/>
+          <p:cNvPicPr preferRelativeResize="0"/>
+          <p:nvPr/>
+        </p:nvPicPr>
+        <p:blipFill>
+          <a:blip r:embed="rId3">
+            <a:alphaModFix/>
+          </a:blip>
+          <a:stretch>
+            <a:fillRect/>
+          </a:stretch>
+        </p:blipFill>
+        <p:spPr>
+          <a:xfrm>
+            <a:off x="311700" y="663600"/>
+            <a:ext cx="6752891" cy="3566976"/>
+          </a:xfrm>
+          <a:prstGeom prst="rect">
+            <a:avLst/>
+          </a:prstGeom>
+          <a:noFill/>
+          <a:ln>
+            <a:noFill/>
+          </a:ln>
+        </p:spPr>
+      </p:pic>
+    </p:spTree>
+  </p:cSld>
+  <p:clrMapOvr>
+    <a:masterClrMapping/>
+  </p:clrMapOvr>
+</p:sld>
+</file>
+
 <file path=ppt/slides/slide2.xml><?xml version="1.0" encoding="utf-8"?>
 <p:sld xmlns:a="http://schemas.openxmlformats.org/drawingml/2006/main" xmlns:r="http://schemas.openxmlformats.org/officeDocument/2006/relationships" xmlns:mc="http://schemas.openxmlformats.org/markup-compatibility/2006" xmlns:mv="urn:schemas-microsoft-com:mac:vml" xmlns:p="http://schemas.openxmlformats.org/presentationml/2006/main" xmlns:c="http://schemas.openxmlformats.org/drawingml/2006/chart" xmlns:dgm="http://schemas.openxmlformats.org/drawingml/2006/diagram" xmlns:o="urn:schemas-microsoft-com:office:office" xmlns:v="urn:schemas-microsoft-com:vml" xmlns:pvml="urn:schemas-microsoft-com:office:powerpoint" xmlns:com="http://schemas.openxmlformats.org/drawingml/2006/compatibility" xmlns:p14="http://schemas.microsoft.com/office/powerpoint/2010/main" xmlns:p15="http://schemas.microsoft.com/office/powerpoint/2012/main" xmlns:ahyp="http://schemas.microsoft.com/office/drawing/2018/hyperlinkcolor">
   <p:cSld>
@@ -9188,7 +9774,25 @@
                 <a:cs typeface="Proxima Nova"/>
                 <a:sym typeface="Proxima Nova"/>
               </a:rPr>
-              <a:t>A partir detses critérios os clientes foram segmentados em:</a:t>
+              <a:t>A partir </a:t>
+            </a:r>
+            <a:r>
+              <a:rPr lang="pt-BR">
+                <a:latin typeface="Proxima Nova"/>
+                <a:ea typeface="Proxima Nova"/>
+                <a:cs typeface="Proxima Nova"/>
+                <a:sym typeface="Proxima Nova"/>
+              </a:rPr>
+              <a:t>destes</a:t>
+            </a:r>
+            <a:r>
+              <a:rPr lang="pt-BR">
+                <a:latin typeface="Proxima Nova"/>
+                <a:ea typeface="Proxima Nova"/>
+                <a:cs typeface="Proxima Nova"/>
+                <a:sym typeface="Proxima Nova"/>
+              </a:rPr>
+              <a:t> critérios os clientes foram segmentados em:</a:t>
             </a:r>
             <a:endParaRPr>
               <a:latin typeface="Proxima Nova"/>
